--- a/results/images/categories_attendance.pptx
+++ b/results/images/categories_attendance.pptx
@@ -142,16 +142,14 @@
               <c:strCache>
                 <c:ptCount val="1"/>
                 <c:pt idx="0">
-                  <c:v># Repositories</c:v>
+                  <c:v>Repositórios</c:v>
                 </c:pt>
               </c:strCache>
             </c:strRef>
           </c:tx>
           <c:spPr>
             <a:solidFill>
-              <a:schemeClr val="accent5">
-                <a:lumMod val="75000"/>
-              </a:schemeClr>
+              <a:srgbClr val="C72B2B"/>
             </a:solidFill>
             <a:ln>
               <a:noFill/>
@@ -161,7 +159,7 @@
           <c:invertIfNegative val="0"/>
           <c:val>
             <c:numRef>
-              <c:f>'Meet the categories'!$C$4:$H$4</c:f>
+              <c:f>'Meet the categories'!$D$4:$I$4</c:f>
               <c:numCache>
                 <c:formatCode>0</c:formatCode>
                 <c:ptCount val="6"/>
@@ -200,7 +198,7 @@
           <c:showPercent val="0"/>
           <c:showBubbleSize val="0"/>
         </c:dLbls>
-        <c:gapWidth val="219"/>
+        <c:gapWidth val="125"/>
         <c:overlap val="-27"/>
         <c:axId val="1769513375"/>
         <c:axId val="1339442863"/>
@@ -217,13 +215,13 @@
               <c:strCache>
                 <c:ptCount val="1"/>
                 <c:pt idx="0">
-                  <c:v>Average</c:v>
+                  <c:v>Média</c:v>
                 </c:pt>
               </c:strCache>
             </c:strRef>
           </c:tx>
           <c:spPr>
-            <a:ln w="28575" cap="rnd">
+            <a:ln w="50800" cap="rnd">
               <a:solidFill>
                 <a:schemeClr val="tx1"/>
               </a:solidFill>
@@ -237,9 +235,9 @@
           </c:marker>
           <c:val>
             <c:numRef>
-              <c:f>'Meet the categories'!$C$5:$H$5</c:f>
+              <c:f>'Meet the categories'!$D$5:$I$5</c:f>
               <c:numCache>
-                <c:formatCode>General</c:formatCode>
+                <c:formatCode>0</c:formatCode>
                 <c:ptCount val="6"/>
                 <c:pt idx="0">
                   <c:v>83.333333333333329</c:v>
@@ -289,6 +287,68 @@
         </c:scaling>
         <c:delete val="0"/>
         <c:axPos val="b"/>
+        <c:title>
+          <c:tx>
+            <c:rich>
+              <a:bodyPr rot="0" spcFirstLastPara="1" vertOverflow="ellipsis" vert="horz" wrap="square" anchor="ctr" anchorCtr="1"/>
+              <a:lstStyle/>
+              <a:p>
+                <a:pPr>
+                  <a:defRPr sz="2500" b="0" i="0" u="none" strike="noStrike" kern="1200" baseline="0">
+                    <a:solidFill>
+                      <a:schemeClr val="tx1"/>
+                    </a:solidFill>
+                    <a:latin typeface="+mn-lt"/>
+                    <a:ea typeface="+mn-ea"/>
+                    <a:cs typeface="+mn-cs"/>
+                  </a:defRPr>
+                </a:pPr>
+                <a:r>
+                  <a:rPr lang="en-US" dirty="0"/>
+                  <a:t># </a:t>
+                </a:r>
+                <a:r>
+                  <a:rPr lang="en-US" dirty="0" err="1"/>
+                  <a:t>Categorias</a:t>
+                </a:r>
+                <a:r>
+                  <a:rPr lang="en-US" dirty="0"/>
+                  <a:t> </a:t>
+                </a:r>
+                <a:r>
+                  <a:rPr lang="en-US" dirty="0" err="1"/>
+                  <a:t>Atendidas</a:t>
+                </a:r>
+                <a:endParaRPr lang="en-US" dirty="0"/>
+              </a:p>
+            </c:rich>
+          </c:tx>
+          <c:overlay val="0"/>
+          <c:spPr>
+            <a:noFill/>
+            <a:ln>
+              <a:noFill/>
+            </a:ln>
+            <a:effectLst/>
+          </c:spPr>
+          <c:txPr>
+            <a:bodyPr rot="0" spcFirstLastPara="1" vertOverflow="ellipsis" vert="horz" wrap="square" anchor="ctr" anchorCtr="1"/>
+            <a:lstStyle/>
+            <a:p>
+              <a:pPr>
+                <a:defRPr sz="2500" b="0" i="0" u="none" strike="noStrike" kern="1200" baseline="0">
+                  <a:solidFill>
+                    <a:schemeClr val="tx1"/>
+                  </a:solidFill>
+                  <a:latin typeface="+mn-lt"/>
+                  <a:ea typeface="+mn-ea"/>
+                  <a:cs typeface="+mn-cs"/>
+                </a:defRPr>
+              </a:pPr>
+              <a:endParaRPr lang="en-US"/>
+            </a:p>
+          </c:txPr>
+        </c:title>
         <c:majorTickMark val="none"/>
         <c:minorTickMark val="none"/>
         <c:tickLblPos val="nextTo"/>
@@ -350,6 +410,94 @@
             <a:effectLst/>
           </c:spPr>
         </c:majorGridlines>
+        <c:title>
+          <c:tx>
+            <c:rich>
+              <a:bodyPr rot="-5400000" spcFirstLastPara="1" vertOverflow="ellipsis" vert="horz" wrap="square" anchor="ctr" anchorCtr="1"/>
+              <a:lstStyle/>
+              <a:p>
+                <a:pPr marL="0" marR="0" lvl="0" indent="0" algn="ctr" defTabSz="914400" rtl="0" eaLnBrk="1" fontAlgn="auto" latinLnBrk="0" hangingPunct="1">
+                  <a:lnSpc>
+                    <a:spcPct val="100000"/>
+                  </a:lnSpc>
+                  <a:spcBef>
+                    <a:spcPts val="0"/>
+                  </a:spcBef>
+                  <a:spcAft>
+                    <a:spcPts val="0"/>
+                  </a:spcAft>
+                  <a:buClrTx/>
+                  <a:buSzTx/>
+                  <a:buFontTx/>
+                  <a:buNone/>
+                  <a:tabLst/>
+                  <a:defRPr sz="2500" b="0" i="0" u="none" strike="noStrike" kern="1200" baseline="0">
+                    <a:solidFill>
+                      <a:prstClr val="black"/>
+                    </a:solidFill>
+                    <a:latin typeface="+mn-lt"/>
+                    <a:ea typeface="+mn-ea"/>
+                    <a:cs typeface="+mn-cs"/>
+                  </a:defRPr>
+                </a:pPr>
+                <a:r>
+                  <a:rPr lang="en-US" sz="2500" b="0" i="0" baseline="0" dirty="0">
+                    <a:effectLst/>
+                  </a:rPr>
+                  <a:t># </a:t>
+                </a:r>
+                <a:r>
+                  <a:rPr lang="en-US" sz="2500" b="0" i="0" baseline="0" dirty="0" err="1">
+                    <a:effectLst/>
+                  </a:rPr>
+                  <a:t>Projetos</a:t>
+                </a:r>
+                <a:endParaRPr lang="en-US" sz="2500" dirty="0">
+                  <a:effectLst/>
+                </a:endParaRPr>
+              </a:p>
+            </c:rich>
+          </c:tx>
+          <c:overlay val="0"/>
+          <c:spPr>
+            <a:noFill/>
+            <a:ln>
+              <a:noFill/>
+            </a:ln>
+            <a:effectLst/>
+          </c:spPr>
+          <c:txPr>
+            <a:bodyPr rot="-5400000" spcFirstLastPara="1" vertOverflow="ellipsis" vert="horz" wrap="square" anchor="ctr" anchorCtr="1"/>
+            <a:lstStyle/>
+            <a:p>
+              <a:pPr marL="0" marR="0" lvl="0" indent="0" algn="ctr" defTabSz="914400" rtl="0" eaLnBrk="1" fontAlgn="auto" latinLnBrk="0" hangingPunct="1">
+                <a:lnSpc>
+                  <a:spcPct val="100000"/>
+                </a:lnSpc>
+                <a:spcBef>
+                  <a:spcPts val="0"/>
+                </a:spcBef>
+                <a:spcAft>
+                  <a:spcPts val="0"/>
+                </a:spcAft>
+                <a:buClrTx/>
+                <a:buSzTx/>
+                <a:buFontTx/>
+                <a:buNone/>
+                <a:tabLst/>
+                <a:defRPr sz="2500" b="0" i="0" u="none" strike="noStrike" kern="1200" baseline="0">
+                  <a:solidFill>
+                    <a:prstClr val="black"/>
+                  </a:solidFill>
+                  <a:latin typeface="+mn-lt"/>
+                  <a:ea typeface="+mn-ea"/>
+                  <a:cs typeface="+mn-cs"/>
+                </a:defRPr>
+              </a:pPr>
+              <a:endParaRPr lang="en-US"/>
+            </a:p>
+          </c:txPr>
+        </c:title>
         <c:numFmt formatCode="General" sourceLinked="1"/>
         <c:majorTickMark val="none"/>
         <c:minorTickMark val="none"/>
@@ -395,7 +543,7 @@
       </c:spPr>
     </c:plotArea>
     <c:legend>
-      <c:legendPos val="b"/>
+      <c:legendPos val="t"/>
       <c:overlay val="0"/>
       <c:spPr>
         <a:noFill/>
@@ -409,7 +557,7 @@
         <a:lstStyle/>
         <a:p>
           <a:pPr>
-            <a:defRPr sz="2500" b="0" i="0" u="none" strike="noStrike" kern="1200" baseline="0">
+            <a:defRPr sz="2200" b="0" i="0" u="none" strike="noStrike" kern="1200" baseline="0">
               <a:solidFill>
                 <a:schemeClr val="tx1"/>
               </a:solidFill>
@@ -1134,7 +1282,7 @@
           <a:p>
             <a:fld id="{857C8E90-7EDD-4CDC-BF79-D3D421C99482}" type="datetimeFigureOut">
               <a:rPr lang="en-US" smtClean="0"/>
-              <a:t>8/30/2022</a:t>
+              <a:t>12/5/2022</a:t>
             </a:fld>
             <a:endParaRPr lang="en-US"/>
           </a:p>
@@ -1304,7 +1452,7 @@
           <a:p>
             <a:fld id="{857C8E90-7EDD-4CDC-BF79-D3D421C99482}" type="datetimeFigureOut">
               <a:rPr lang="en-US" smtClean="0"/>
-              <a:t>8/30/2022</a:t>
+              <a:t>12/5/2022</a:t>
             </a:fld>
             <a:endParaRPr lang="en-US"/>
           </a:p>
@@ -1484,7 +1632,7 @@
           <a:p>
             <a:fld id="{857C8E90-7EDD-4CDC-BF79-D3D421C99482}" type="datetimeFigureOut">
               <a:rPr lang="en-US" smtClean="0"/>
-              <a:t>8/30/2022</a:t>
+              <a:t>12/5/2022</a:t>
             </a:fld>
             <a:endParaRPr lang="en-US"/>
           </a:p>
@@ -1654,7 +1802,7 @@
           <a:p>
             <a:fld id="{857C8E90-7EDD-4CDC-BF79-D3D421C99482}" type="datetimeFigureOut">
               <a:rPr lang="en-US" smtClean="0"/>
-              <a:t>8/30/2022</a:t>
+              <a:t>12/5/2022</a:t>
             </a:fld>
             <a:endParaRPr lang="en-US"/>
           </a:p>
@@ -1898,7 +2046,7 @@
           <a:p>
             <a:fld id="{857C8E90-7EDD-4CDC-BF79-D3D421C99482}" type="datetimeFigureOut">
               <a:rPr lang="en-US" smtClean="0"/>
-              <a:t>8/30/2022</a:t>
+              <a:t>12/5/2022</a:t>
             </a:fld>
             <a:endParaRPr lang="en-US"/>
           </a:p>
@@ -2130,7 +2278,7 @@
           <a:p>
             <a:fld id="{857C8E90-7EDD-4CDC-BF79-D3D421C99482}" type="datetimeFigureOut">
               <a:rPr lang="en-US" smtClean="0"/>
-              <a:t>8/30/2022</a:t>
+              <a:t>12/5/2022</a:t>
             </a:fld>
             <a:endParaRPr lang="en-US"/>
           </a:p>
@@ -2497,7 +2645,7 @@
           <a:p>
             <a:fld id="{857C8E90-7EDD-4CDC-BF79-D3D421C99482}" type="datetimeFigureOut">
               <a:rPr lang="en-US" smtClean="0"/>
-              <a:t>8/30/2022</a:t>
+              <a:t>12/5/2022</a:t>
             </a:fld>
             <a:endParaRPr lang="en-US"/>
           </a:p>
@@ -2615,7 +2763,7 @@
           <a:p>
             <a:fld id="{857C8E90-7EDD-4CDC-BF79-D3D421C99482}" type="datetimeFigureOut">
               <a:rPr lang="en-US" smtClean="0"/>
-              <a:t>8/30/2022</a:t>
+              <a:t>12/5/2022</a:t>
             </a:fld>
             <a:endParaRPr lang="en-US"/>
           </a:p>
@@ -2710,7 +2858,7 @@
           <a:p>
             <a:fld id="{857C8E90-7EDD-4CDC-BF79-D3D421C99482}" type="datetimeFigureOut">
               <a:rPr lang="en-US" smtClean="0"/>
-              <a:t>8/30/2022</a:t>
+              <a:t>12/5/2022</a:t>
             </a:fld>
             <a:endParaRPr lang="en-US"/>
           </a:p>
@@ -2987,7 +3135,7 @@
           <a:p>
             <a:fld id="{857C8E90-7EDD-4CDC-BF79-D3D421C99482}" type="datetimeFigureOut">
               <a:rPr lang="en-US" smtClean="0"/>
-              <a:t>8/30/2022</a:t>
+              <a:t>12/5/2022</a:t>
             </a:fld>
             <a:endParaRPr lang="en-US"/>
           </a:p>
@@ -3244,7 +3392,7 @@
           <a:p>
             <a:fld id="{857C8E90-7EDD-4CDC-BF79-D3D421C99482}" type="datetimeFigureOut">
               <a:rPr lang="en-US" smtClean="0"/>
-              <a:t>8/30/2022</a:t>
+              <a:t>12/5/2022</a:t>
             </a:fld>
             <a:endParaRPr lang="en-US"/>
           </a:p>
@@ -3457,7 +3605,7 @@
           <a:p>
             <a:fld id="{857C8E90-7EDD-4CDC-BF79-D3D421C99482}" type="datetimeFigureOut">
               <a:rPr lang="en-US" smtClean="0"/>
-              <a:t>8/30/2022</a:t>
+              <a:t>12/5/2022</a:t>
             </a:fld>
             <a:endParaRPr lang="en-US"/>
           </a:p>
@@ -3877,14 +4025,14 @@
           <p:nvPr>
             <p:extLst>
               <p:ext uri="{D42A27DB-BD31-4B8C-83A1-F6EECF244321}">
-                <p14:modId xmlns:p14="http://schemas.microsoft.com/office/powerpoint/2010/main" val="1813375745"/>
+                <p14:modId xmlns:p14="http://schemas.microsoft.com/office/powerpoint/2010/main" val="1353912685"/>
               </p:ext>
             </p:extLst>
           </p:nvPr>
         </p:nvGraphicFramePr>
         <p:xfrm>
-          <a:off x="0" y="0"/>
-          <a:ext cx="9144000" cy="6400800"/>
+          <a:off x="460040" y="289655"/>
+          <a:ext cx="8178484" cy="5747658"/>
         </p:xfrm>
         <a:graphic>
           <a:graphicData uri="http://schemas.openxmlformats.org/drawingml/2006/chart">
